--- a/PPT/C14 - PPT.pptx
+++ b/PPT/C14 - PPT.pptx
@@ -10,8 +10,9 @@
     <p:sldId id="286" r:id="rId4"/>
     <p:sldId id="260" r:id="rId5"/>
     <p:sldId id="257" r:id="rId6"/>
-    <p:sldId id="258" r:id="rId7"/>
-    <p:sldId id="259" r:id="rId8"/>
+    <p:sldId id="288" r:id="rId7"/>
+    <p:sldId id="258" r:id="rId8"/>
+    <p:sldId id="259" r:id="rId9"/>
   </p:sldIdLst>
   <p:sldSz cx="12192000" cy="6858000"/>
   <p:notesSz cx="6858000" cy="9144000"/>
@@ -110,6 +111,11 @@
       </a:defRPr>
     </a:lvl9pPr>
   </p:defaultTextStyle>
+  <p:extLst>
+    <p:ext uri="{EFAFB233-063F-42B5-8137-9DF3F51BA10A}">
+      <p15:sldGuideLst xmlns:p15="http://schemas.microsoft.com/office/powerpoint/2012/main"/>
+    </p:ext>
+  </p:extLst>
 </p:presentation>
 </file>
 
@@ -3345,8 +3351,8 @@
         </p:nvSpPr>
         <p:spPr>
           <a:xfrm>
-            <a:off x="1463472" y="5398246"/>
-            <a:ext cx="9265055" cy="1459754"/>
+            <a:off x="2497036" y="5279653"/>
+            <a:ext cx="7197928" cy="1578347"/>
           </a:xfrm>
           <a:effectLst>
             <a:innerShdw blurRad="114300">
@@ -3479,8 +3485,8 @@
         </p:nvSpPr>
         <p:spPr>
           <a:xfrm>
-            <a:off x="1662779" y="2293151"/>
-            <a:ext cx="6360380" cy="743255"/>
+            <a:off x="4505941" y="2505204"/>
+            <a:ext cx="3180116" cy="369332"/>
           </a:xfrm>
           <a:prstGeom prst="rect">
             <a:avLst/>
@@ -3495,21 +3501,11 @@
           <a:p>
             <a:pPr algn="ctr"/>
             <a:r>
-              <a:rPr lang="en-US" dirty="0">
-                <a:latin typeface="Times New Roman" panose="02020603050405020304" pitchFamily="18" charset="0"/>
-                <a:cs typeface="Times New Roman" panose="02020603050405020304" pitchFamily="18" charset="0"/>
-              </a:rPr>
-              <a:t>                                                      </a:t>
-            </a:r>
-          </a:p>
-          <a:p>
-            <a:pPr algn="ctr"/>
-            <a:r>
-              <a:rPr lang="en-US" sz="2400" b="1" dirty="0">
-                <a:latin typeface="Times New Roman" panose="02020603050405020304" pitchFamily="18" charset="0"/>
-                <a:cs typeface="Times New Roman" panose="02020603050405020304" pitchFamily="18" charset="0"/>
-              </a:rPr>
-              <a:t>                                  Presented By Batch-C14</a:t>
+              <a:rPr lang="en-US" b="1" dirty="0">
+                <a:latin typeface="Times New Roman" panose="02020603050405020304" pitchFamily="18" charset="0"/>
+                <a:cs typeface="Times New Roman" panose="02020603050405020304" pitchFamily="18" charset="0"/>
+              </a:rPr>
+              <a:t>Presented By Batch-C14</a:t>
             </a:r>
             <a:r>
               <a:rPr lang="en-US" dirty="0">
@@ -3535,8 +3531,8 @@
         </p:nvSpPr>
         <p:spPr>
           <a:xfrm>
-            <a:off x="1620105" y="2572267"/>
-            <a:ext cx="8951790" cy="1323439"/>
+            <a:off x="1620104" y="3075057"/>
+            <a:ext cx="8951790" cy="707886"/>
           </a:xfrm>
           <a:prstGeom prst="rect">
             <a:avLst/>
@@ -3548,23 +3544,6 @@
             <a:spAutoFit/>
           </a:bodyPr>
           <a:lstStyle/>
-          <a:p>
-            <a:pPr algn="ctr"/>
-            <a:r>
-              <a:rPr lang="en-IN" sz="2000" dirty="0">
-                <a:latin typeface="Times New Roman" panose="02020603050405020304" pitchFamily="18" charset="0"/>
-                <a:cs typeface="Times New Roman" panose="02020603050405020304" pitchFamily="18" charset="0"/>
-              </a:rPr>
-              <a:t>                                                      </a:t>
-            </a:r>
-          </a:p>
-          <a:p>
-            <a:pPr algn="ctr"/>
-            <a:endParaRPr lang="en-IN" sz="2000" dirty="0">
-              <a:latin typeface="Times New Roman" panose="02020603050405020304" pitchFamily="18" charset="0"/>
-              <a:cs typeface="Times New Roman" panose="02020603050405020304" pitchFamily="18" charset="0"/>
-            </a:endParaRPr>
-          </a:p>
           <a:p>
             <a:r>
               <a:rPr lang="en-IN" sz="2000" dirty="0" err="1">
@@ -3639,8 +3618,8 @@
         </p:nvSpPr>
         <p:spPr>
           <a:xfrm>
-            <a:off x="185858" y="259939"/>
-            <a:ext cx="11506926" cy="400110"/>
+            <a:off x="0" y="447259"/>
+            <a:ext cx="12221994" cy="353943"/>
           </a:xfrm>
           <a:prstGeom prst="rect">
             <a:avLst/>
@@ -3655,11 +3634,11 @@
           <a:p>
             <a:pPr algn="ctr"/>
             <a:r>
-              <a:rPr lang="en-US" sz="2000" dirty="0">
-                <a:latin typeface="Times New Roman" panose="02020603050405020304" pitchFamily="18" charset="0"/>
-                <a:cs typeface="Times New Roman" pitchFamily="18" charset="0"/>
-              </a:rPr>
-              <a:t>Title</a:t>
+              <a:rPr lang="en-US" sz="1700" b="1" dirty="0">
+                <a:latin typeface="Times New Roman" panose="02020603050405020304" pitchFamily="18" charset="0"/>
+                <a:cs typeface="Times New Roman" panose="02020603050405020304" pitchFamily="18" charset="0"/>
+              </a:rPr>
+              <a:t>Enhancing Flood Segmentation with Multi-Source Satellite Data: Toward Robust and Generalizable Deep Learning Models</a:t>
             </a:r>
           </a:p>
         </p:txBody>
@@ -3693,7 +3672,7 @@
         </p:blipFill>
         <p:spPr bwMode="auto">
           <a:xfrm>
-            <a:off x="5160405" y="901695"/>
+            <a:off x="5256556" y="969907"/>
             <a:ext cx="1557831" cy="1428926"/>
           </a:xfrm>
           <a:prstGeom prst="rect">
@@ -3752,8 +3731,8 @@
         </p:nvSpPr>
         <p:spPr>
           <a:xfrm>
-            <a:off x="1463472" y="4137352"/>
-            <a:ext cx="9144000" cy="1009929"/>
+            <a:off x="3898268" y="4085630"/>
+            <a:ext cx="4395461" cy="1009929"/>
           </a:xfrm>
         </p:spPr>
         <p:txBody>
@@ -3909,8 +3888,8 @@
         </p:nvSpPr>
         <p:spPr>
           <a:xfrm>
-            <a:off x="744894" y="679191"/>
-            <a:ext cx="3341914" cy="875846"/>
+            <a:off x="744893" y="679191"/>
+            <a:ext cx="3657773" cy="875846"/>
           </a:xfrm>
         </p:spPr>
         <p:txBody>
@@ -3920,7 +3899,7 @@
           <a:lstStyle/>
           <a:p>
             <a:r>
-              <a:rPr kumimoji="0" lang="en-US" sz="2000" b="1" i="0" u="none" strike="noStrike" kern="1200" cap="none" spc="0" normalizeH="0" baseline="0" noProof="0" dirty="0">
+              <a:rPr kumimoji="0" lang="en-US" sz="2400" b="1" i="0" u="none" strike="noStrike" kern="1200" cap="none" spc="0" normalizeH="0" baseline="0" noProof="0" dirty="0">
                 <a:ln w="3175" cmpd="sng">
                   <a:noFill/>
                 </a:ln>
@@ -3937,7 +3916,7 @@
               <a:t>TABLE OF CONTENTS</a:t>
             </a:r>
             <a:r>
-              <a:rPr kumimoji="0" lang="en-IN" sz="2000" b="1" i="0" u="none" strike="noStrike" kern="1200" cap="all" spc="50" normalizeH="0" baseline="0" noProof="0" dirty="0">
+              <a:rPr kumimoji="0" lang="en-IN" sz="2400" b="1" i="0" u="none" strike="noStrike" kern="1200" cap="all" spc="50" normalizeH="0" baseline="0" noProof="0" dirty="0">
                 <a:ln w="3175" cmpd="sng">
                   <a:noFill/>
                 </a:ln>
@@ -3953,7 +3932,7 @@
               </a:rPr>
               <a:t>:</a:t>
             </a:r>
-            <a:endParaRPr lang="en-IN" sz="2000" b="1" dirty="0"/>
+            <a:endParaRPr lang="en-IN" sz="2400" b="1" dirty="0"/>
           </a:p>
         </p:txBody>
       </p:sp>
@@ -4067,13 +4046,20 @@
             <p:ph type="title"/>
           </p:nvPr>
         </p:nvSpPr>
-        <p:spPr/>
-        <p:txBody>
-          <a:bodyPr/>
-          <a:lstStyle/>
-          <a:p>
-            <a:r>
-              <a:rPr lang="en-US" b="1" dirty="0">
+        <p:spPr>
+          <a:xfrm>
+            <a:off x="838200" y="365125"/>
+            <a:ext cx="2048933" cy="777875"/>
+          </a:xfrm>
+        </p:spPr>
+        <p:txBody>
+          <a:bodyPr>
+            <a:noAutofit/>
+          </a:bodyPr>
+          <a:lstStyle/>
+          <a:p>
+            <a:r>
+              <a:rPr lang="en-US" sz="3000" b="1" dirty="0">
                 <a:latin typeface="Times New Roman" pitchFamily="18" charset="0"/>
                 <a:cs typeface="Times New Roman" pitchFamily="18" charset="0"/>
               </a:rPr>
@@ -4092,20 +4078,52 @@
             <p:ph idx="1"/>
           </p:nvPr>
         </p:nvSpPr>
-        <p:spPr/>
+        <p:spPr>
+          <a:xfrm>
+            <a:off x="838200" y="1202267"/>
+            <a:ext cx="10515600" cy="4974696"/>
+          </a:xfrm>
+        </p:spPr>
         <p:txBody>
           <a:bodyPr>
             <a:normAutofit/>
           </a:bodyPr>
           <a:lstStyle/>
           <a:p>
-            <a:pPr>
+            <a:pPr marL="0" indent="0">
               <a:buNone/>
             </a:pPr>
-            <a:endParaRPr lang="en-US" dirty="0">
-              <a:latin typeface="Times New Roman" pitchFamily="18" charset="0"/>
-              <a:cs typeface="Times New Roman" pitchFamily="18" charset="0"/>
-            </a:endParaRPr>
+            <a:r>
+              <a:rPr lang="en-US" sz="1800" dirty="0">
+                <a:latin typeface="Times New Roman" panose="02020603050405020304" pitchFamily="18" charset="0"/>
+                <a:cs typeface="Times New Roman" panose="02020603050405020304" pitchFamily="18" charset="0"/>
+              </a:rPr>
+              <a:t>Floods are among the most destructive natural disasters, with widespread and lasting impacts on society and the environment. Traditional satellite-based flood detection approaches commonly rely on optical imagery, which is limited by cloud cover and a lack of data diversity, often resulting in overfitting and poor generalization. This project proposes a generalizable multi-modal deep learning framework for flood detection in satellite imagery to directly address these challenges.</a:t>
+            </a:r>
+          </a:p>
+          <a:p>
+            <a:pPr marL="0" indent="0">
+              <a:buNone/>
+            </a:pPr>
+            <a:r>
+              <a:rPr lang="en-US" sz="1800" dirty="0">
+                <a:latin typeface="Times New Roman" panose="02020603050405020304" pitchFamily="18" charset="0"/>
+                <a:cs typeface="Times New Roman" panose="02020603050405020304" pitchFamily="18" charset="0"/>
+              </a:rPr>
+              <a:t>The proposed system integrates both optical and Synthetic Aperture Radar (SAR) data, enabling reliable flood detection regardless of weather or lighting conditions. By utilizing diverse datasets from multiple satellite sensors and geographic regions—including various flood types—the framework overcomes the constraints of single-source, single-context models. It employs advanced segmentation architectures and incorporates temporal sequence analysis for tracking flood progression when available.</a:t>
+            </a:r>
+          </a:p>
+          <a:p>
+            <a:pPr marL="0" indent="0">
+              <a:buNone/>
+            </a:pPr>
+            <a:r>
+              <a:rPr lang="en-US" sz="1800" dirty="0">
+                <a:latin typeface="Times New Roman" panose="02020603050405020304" pitchFamily="18" charset="0"/>
+                <a:cs typeface="Times New Roman" panose="02020603050405020304" pitchFamily="18" charset="0"/>
+              </a:rPr>
+              <a:t>Extensive experiments on heterogeneous datasets demonstrate that the multi-modal approach not only improves detection accuracy in challenging scenarios but also reduces overfitting and enhances the model’s ability to generalize across different flood events and regions. This system advances the potential for robust, scalable flood monitoring and supports timely emergency response and disaster management in real-world situations.</a:t>
+            </a:r>
           </a:p>
         </p:txBody>
       </p:sp>
@@ -4150,9 +4168,71 @@
             <p:ph type="title"/>
           </p:nvPr>
         </p:nvSpPr>
-        <p:spPr/>
-        <p:txBody>
-          <a:bodyPr/>
+        <p:spPr>
+          <a:xfrm>
+            <a:off x="321733" y="449792"/>
+            <a:ext cx="10515600" cy="540808"/>
+          </a:xfrm>
+        </p:spPr>
+        <p:txBody>
+          <a:bodyPr>
+            <a:noAutofit/>
+          </a:bodyPr>
+          <a:lstStyle/>
+          <a:p>
+            <a:r>
+              <a:rPr lang="en-US" sz="3000" b="1" dirty="0">
+                <a:latin typeface="Times New Roman" panose="02020603050405020304" pitchFamily="18" charset="0"/>
+                <a:cs typeface="Times New Roman" panose="02020603050405020304" pitchFamily="18" charset="0"/>
+              </a:rPr>
+              <a:t>Base Paper Analysis </a:t>
+            </a:r>
+            <a:r>
+              <a:rPr lang="en-US" sz="3000" dirty="0">
+                <a:latin typeface="Times New Roman" panose="02020603050405020304" pitchFamily="18" charset="0"/>
+                <a:cs typeface="Times New Roman" panose="02020603050405020304" pitchFamily="18" charset="0"/>
+              </a:rPr>
+              <a:t>: Flood Detection Using Satellite Imagery</a:t>
+            </a:r>
+            <a:br>
+              <a:rPr lang="en-US" sz="3000" dirty="0">
+                <a:latin typeface="Times New Roman" panose="02020603050405020304" pitchFamily="18" charset="0"/>
+                <a:cs typeface="Times New Roman" panose="02020603050405020304" pitchFamily="18" charset="0"/>
+              </a:rPr>
+            </a:br>
+            <a:endParaRPr lang="en-US" sz="3000" b="1" dirty="0">
+              <a:latin typeface="Times New Roman" panose="02020603050405020304" pitchFamily="18" charset="0"/>
+              <a:cs typeface="Times New Roman" panose="02020603050405020304" pitchFamily="18" charset="0"/>
+            </a:endParaRPr>
+          </a:p>
+        </p:txBody>
+      </p:sp>
+      <p:sp>
+        <p:nvSpPr>
+          <p:cNvPr id="3" name="TextBox 2">
+            <a:extLst>
+              <a:ext uri="{FF2B5EF4-FFF2-40B4-BE49-F238E27FC236}">
+                <a16:creationId xmlns:a16="http://schemas.microsoft.com/office/drawing/2014/main" id="{97D713B4-A01B-2836-9381-060A29B83556}"/>
+              </a:ext>
+            </a:extLst>
+          </p:cNvPr>
+          <p:cNvSpPr txBox="1"/>
+          <p:nvPr/>
+        </p:nvSpPr>
+        <p:spPr>
+          <a:xfrm>
+            <a:off x="397933" y="990600"/>
+            <a:ext cx="11472334" cy="5078313"/>
+          </a:xfrm>
+          <a:prstGeom prst="rect">
+            <a:avLst/>
+          </a:prstGeom>
+          <a:noFill/>
+        </p:spPr>
+        <p:txBody>
+          <a:bodyPr wrap="square" rtlCol="0">
+            <a:spAutoFit/>
+          </a:bodyPr>
           <a:lstStyle/>
           <a:p>
             <a:r>
@@ -4160,14 +4240,177 @@
                 <a:latin typeface="Times New Roman" panose="02020603050405020304" pitchFamily="18" charset="0"/>
                 <a:cs typeface="Times New Roman" panose="02020603050405020304" pitchFamily="18" charset="0"/>
               </a:rPr>
-              <a:t>Base Paper Analysis</a:t>
-            </a:r>
-            <a:br>
+              <a:t>Core Objective: Segment flooded regions in satellite images using a modified U-Net deep learning framework.</a:t>
+            </a:r>
+          </a:p>
+          <a:p>
+            <a:endParaRPr lang="en-US" dirty="0">
+              <a:latin typeface="Times New Roman" panose="02020603050405020304" pitchFamily="18" charset="0"/>
+              <a:cs typeface="Times New Roman" panose="02020603050405020304" pitchFamily="18" charset="0"/>
+            </a:endParaRPr>
+          </a:p>
+          <a:p>
+            <a:r>
               <a:rPr lang="en-US" dirty="0">
                 <a:latin typeface="Times New Roman" panose="02020603050405020304" pitchFamily="18" charset="0"/>
                 <a:cs typeface="Times New Roman" panose="02020603050405020304" pitchFamily="18" charset="0"/>
               </a:rPr>
-            </a:br>
+              <a:t>Key Methodology: Utilizes optical satellite images (RGB + Near-Infrared bands). Employs a U-Net architecture with MobileNetV2 as the encoder for semantic segmentation.</a:t>
+            </a:r>
+          </a:p>
+          <a:p>
+            <a:endParaRPr lang="en-US" dirty="0">
+              <a:latin typeface="Times New Roman" panose="02020603050405020304" pitchFamily="18" charset="0"/>
+              <a:cs typeface="Times New Roman" panose="02020603050405020304" pitchFamily="18" charset="0"/>
+            </a:endParaRPr>
+          </a:p>
+          <a:p>
+            <a:r>
+              <a:rPr lang="en-US" dirty="0">
+                <a:latin typeface="Times New Roman" panose="02020603050405020304" pitchFamily="18" charset="0"/>
+                <a:cs typeface="Times New Roman" panose="02020603050405020304" pitchFamily="18" charset="0"/>
+              </a:rPr>
+              <a:t>Dataset Used: </a:t>
+            </a:r>
+            <a:r>
+              <a:rPr lang="en-US" dirty="0" err="1">
+                <a:latin typeface="Times New Roman" panose="02020603050405020304" pitchFamily="18" charset="0"/>
+                <a:cs typeface="Times New Roman" panose="02020603050405020304" pitchFamily="18" charset="0"/>
+              </a:rPr>
+              <a:t>MediaEval</a:t>
+            </a:r>
+            <a:r>
+              <a:rPr lang="en-US" dirty="0">
+                <a:latin typeface="Times New Roman" panose="02020603050405020304" pitchFamily="18" charset="0"/>
+                <a:cs typeface="Times New Roman" panose="02020603050405020304" pitchFamily="18" charset="0"/>
+              </a:rPr>
+              <a:t> 2017 Satellite Flood Dataset. Composed of 320×320 pixel patches, with manual segmentation masks for flood/non-flood areas.</a:t>
+            </a:r>
+          </a:p>
+          <a:p>
+            <a:pPr lvl="1"/>
+            <a:endParaRPr lang="en-US" dirty="0">
+              <a:latin typeface="Times New Roman" panose="02020603050405020304" pitchFamily="18" charset="0"/>
+              <a:cs typeface="Times New Roman" panose="02020603050405020304" pitchFamily="18" charset="0"/>
+            </a:endParaRPr>
+          </a:p>
+          <a:p>
+            <a:r>
+              <a:rPr lang="en-US" dirty="0">
+                <a:latin typeface="Times New Roman" panose="02020603050405020304" pitchFamily="18" charset="0"/>
+                <a:cs typeface="Times New Roman" panose="02020603050405020304" pitchFamily="18" charset="0"/>
+              </a:rPr>
+              <a:t>Model Evaluation:</a:t>
+            </a:r>
+          </a:p>
+          <a:p>
+            <a:pPr marL="285750" indent="-285750">
+              <a:buFont typeface="Arial" panose="020B0604020202020204" pitchFamily="34" charset="0"/>
+              <a:buChar char="•"/>
+            </a:pPr>
+            <a:r>
+              <a:rPr lang="en-US" dirty="0">
+                <a:latin typeface="Times New Roman" panose="02020603050405020304" pitchFamily="18" charset="0"/>
+                <a:cs typeface="Times New Roman" panose="02020603050405020304" pitchFamily="18" charset="0"/>
+              </a:rPr>
+              <a:t>Metrics: </a:t>
+            </a:r>
+            <a:r>
+              <a:rPr lang="en-US" dirty="0" err="1">
+                <a:latin typeface="Times New Roman" panose="02020603050405020304" pitchFamily="18" charset="0"/>
+                <a:cs typeface="Times New Roman" panose="02020603050405020304" pitchFamily="18" charset="0"/>
+              </a:rPr>
+              <a:t>IoU</a:t>
+            </a:r>
+            <a:r>
+              <a:rPr lang="en-US" dirty="0">
+                <a:latin typeface="Times New Roman" panose="02020603050405020304" pitchFamily="18" charset="0"/>
+                <a:cs typeface="Times New Roman" panose="02020603050405020304" pitchFamily="18" charset="0"/>
+              </a:rPr>
+              <a:t>, Dice Coefficient, Precision, Recall, F1-score.</a:t>
+            </a:r>
+          </a:p>
+          <a:p>
+            <a:pPr marL="285750" indent="-285750">
+              <a:buFont typeface="Arial" panose="020B0604020202020204" pitchFamily="34" charset="0"/>
+              <a:buChar char="•"/>
+            </a:pPr>
+            <a:r>
+              <a:rPr lang="en-US" dirty="0">
+                <a:latin typeface="Times New Roman" panose="02020603050405020304" pitchFamily="18" charset="0"/>
+                <a:cs typeface="Times New Roman" panose="02020603050405020304" pitchFamily="18" charset="0"/>
+              </a:rPr>
+              <a:t>Visual validation by overlaying predicted masks on images.</a:t>
+            </a:r>
+          </a:p>
+          <a:p>
+            <a:endParaRPr lang="en-US" dirty="0">
+              <a:latin typeface="Times New Roman" panose="02020603050405020304" pitchFamily="18" charset="0"/>
+              <a:cs typeface="Times New Roman" panose="02020603050405020304" pitchFamily="18" charset="0"/>
+            </a:endParaRPr>
+          </a:p>
+          <a:p>
+            <a:r>
+              <a:rPr lang="en-US" dirty="0">
+                <a:latin typeface="Times New Roman" panose="02020603050405020304" pitchFamily="18" charset="0"/>
+                <a:cs typeface="Times New Roman" panose="02020603050405020304" pitchFamily="18" charset="0"/>
+              </a:rPr>
+              <a:t>Performance &amp; Limitations:</a:t>
+            </a:r>
+          </a:p>
+          <a:p>
+            <a:pPr marL="285750" indent="-285750">
+              <a:buFont typeface="Arial" panose="020B0604020202020204" pitchFamily="34" charset="0"/>
+              <a:buChar char="•"/>
+            </a:pPr>
+            <a:r>
+              <a:rPr lang="en-US" dirty="0">
+                <a:latin typeface="Times New Roman" panose="02020603050405020304" pitchFamily="18" charset="0"/>
+                <a:cs typeface="Times New Roman" panose="02020603050405020304" pitchFamily="18" charset="0"/>
+              </a:rPr>
+              <a:t>High accuracy on training data, but significant drop on test/validation sets (overfitting).</a:t>
+            </a:r>
+          </a:p>
+          <a:p>
+            <a:pPr marL="285750" indent="-285750">
+              <a:buFont typeface="Arial" panose="020B0604020202020204" pitchFamily="34" charset="0"/>
+              <a:buChar char="•"/>
+            </a:pPr>
+            <a:r>
+              <a:rPr lang="en-US" dirty="0">
+                <a:latin typeface="Times New Roman" panose="02020603050405020304" pitchFamily="18" charset="0"/>
+                <a:cs typeface="Times New Roman" panose="02020603050405020304" pitchFamily="18" charset="0"/>
+              </a:rPr>
+              <a:t>Only optical data—fails under clouds or at night (no SAR usage).</a:t>
+            </a:r>
+          </a:p>
+          <a:p>
+            <a:pPr marL="285750" indent="-285750">
+              <a:buFont typeface="Arial" panose="020B0604020202020204" pitchFamily="34" charset="0"/>
+              <a:buChar char="•"/>
+            </a:pPr>
+            <a:r>
+              <a:rPr lang="en-US" dirty="0">
+                <a:latin typeface="Times New Roman" panose="02020603050405020304" pitchFamily="18" charset="0"/>
+                <a:cs typeface="Times New Roman" panose="02020603050405020304" pitchFamily="18" charset="0"/>
+              </a:rPr>
+              <a:t>Limited to a single dataset and region—poor generalization.</a:t>
+            </a:r>
+          </a:p>
+          <a:p>
+            <a:pPr marL="285750" indent="-285750">
+              <a:buFont typeface="Arial" panose="020B0604020202020204" pitchFamily="34" charset="0"/>
+              <a:buChar char="•"/>
+            </a:pPr>
+            <a:r>
+              <a:rPr lang="en-US" dirty="0">
+                <a:latin typeface="Times New Roman" panose="02020603050405020304" pitchFamily="18" charset="0"/>
+                <a:cs typeface="Times New Roman" panose="02020603050405020304" pitchFamily="18" charset="0"/>
+              </a:rPr>
+              <a:t>Analyzes only single time points—no temporal (time-series) analysis.</a:t>
+            </a:r>
+          </a:p>
+          <a:p>
             <a:endParaRPr lang="en-US" dirty="0">
               <a:latin typeface="Times New Roman" panose="02020603050405020304" pitchFamily="18" charset="0"/>
               <a:cs typeface="Times New Roman" panose="02020603050405020304" pitchFamily="18" charset="0"/>
@@ -6977,7 +7220,7 @@
         <p:spPr>
           <a:xfrm>
             <a:off x="497281" y="362039"/>
-            <a:ext cx="6032101" cy="615553"/>
+            <a:ext cx="7548541" cy="707886"/>
           </a:xfrm>
           <a:prstGeom prst="rect">
             <a:avLst/>
@@ -6994,7 +7237,7 @@
           <a:lstStyle/>
           <a:p>
             <a:r>
-              <a:rPr sz="2400" b="1" dirty="0">
+              <a:rPr sz="3000" b="1" dirty="0">
                 <a:solidFill>
                   <a:srgbClr val="484848"/>
                 </a:solidFill>
@@ -7265,6 +7508,211 @@
 </file>
 
 <file path=ppt/slides/slide6.xml><?xml version="1.0" encoding="utf-8"?>
+<p:sld xmlns:a="http://schemas.openxmlformats.org/drawingml/2006/main" xmlns:r="http://schemas.openxmlformats.org/officeDocument/2006/relationships" xmlns:p="http://schemas.openxmlformats.org/presentationml/2006/main">
+  <p:cSld>
+    <p:spTree>
+      <p:nvGrpSpPr>
+        <p:cNvPr id="1" name="">
+          <a:extLst>
+            <a:ext uri="{FF2B5EF4-FFF2-40B4-BE49-F238E27FC236}">
+              <a16:creationId xmlns:a16="http://schemas.microsoft.com/office/drawing/2014/main" id="{2B6F6005-D262-B821-4C2F-C04C7243C13B}"/>
+            </a:ext>
+          </a:extLst>
+        </p:cNvPr>
+        <p:cNvGrpSpPr/>
+        <p:nvPr/>
+      </p:nvGrpSpPr>
+      <p:grpSpPr>
+        <a:xfrm>
+          <a:off x="0" y="0"/>
+          <a:ext cx="0" cy="0"/>
+          <a:chOff x="0" y="0"/>
+          <a:chExt cx="0" cy="0"/>
+        </a:xfrm>
+      </p:grpSpPr>
+      <p:sp>
+        <p:nvSpPr>
+          <p:cNvPr id="2" name="Title 1">
+            <a:extLst>
+              <a:ext uri="{FF2B5EF4-FFF2-40B4-BE49-F238E27FC236}">
+                <a16:creationId xmlns:a16="http://schemas.microsoft.com/office/drawing/2014/main" id="{F6B140F1-F124-EB8B-B117-5CC0684BD2FF}"/>
+              </a:ext>
+            </a:extLst>
+          </p:cNvPr>
+          <p:cNvSpPr>
+            <a:spLocks noGrp="1"/>
+          </p:cNvSpPr>
+          <p:nvPr>
+            <p:ph type="title"/>
+          </p:nvPr>
+        </p:nvSpPr>
+        <p:spPr>
+          <a:xfrm>
+            <a:off x="838200" y="365126"/>
+            <a:ext cx="10515600" cy="1243542"/>
+          </a:xfrm>
+        </p:spPr>
+        <p:txBody>
+          <a:bodyPr>
+            <a:normAutofit/>
+          </a:bodyPr>
+          <a:lstStyle/>
+          <a:p>
+            <a:r>
+              <a:rPr lang="en-US" sz="3000" b="1" dirty="0">
+                <a:latin typeface="Times New Roman" panose="02020603050405020304" pitchFamily="18" charset="0"/>
+                <a:cs typeface="Times New Roman" panose="02020603050405020304" pitchFamily="18" charset="0"/>
+              </a:rPr>
+              <a:t>Problems Identified</a:t>
+            </a:r>
+          </a:p>
+        </p:txBody>
+      </p:sp>
+      <p:sp>
+        <p:nvSpPr>
+          <p:cNvPr id="3" name="TextBox 2">
+            <a:extLst>
+              <a:ext uri="{FF2B5EF4-FFF2-40B4-BE49-F238E27FC236}">
+                <a16:creationId xmlns:a16="http://schemas.microsoft.com/office/drawing/2014/main" id="{1C183715-EA41-61AC-642A-8C85B0A6732C}"/>
+              </a:ext>
+            </a:extLst>
+          </p:cNvPr>
+          <p:cNvSpPr txBox="1"/>
+          <p:nvPr/>
+        </p:nvSpPr>
+        <p:spPr>
+          <a:xfrm>
+            <a:off x="838200" y="1720840"/>
+            <a:ext cx="10515600" cy="3416320"/>
+          </a:xfrm>
+          <a:prstGeom prst="rect">
+            <a:avLst/>
+          </a:prstGeom>
+          <a:noFill/>
+        </p:spPr>
+        <p:txBody>
+          <a:bodyPr wrap="square" rtlCol="0">
+            <a:spAutoFit/>
+          </a:bodyPr>
+          <a:lstStyle/>
+          <a:p>
+            <a:r>
+              <a:rPr lang="en-US" dirty="0">
+                <a:latin typeface="Times New Roman" panose="02020603050405020304" pitchFamily="18" charset="0"/>
+                <a:cs typeface="Times New Roman" panose="02020603050405020304" pitchFamily="18" charset="0"/>
+              </a:rPr>
+              <a:t>1. Missing SAR (Synthetic Aperture Radar) Data : The model uses only optical satellite images, which are ineffective during cloud cover and at night—common during floods.</a:t>
+            </a:r>
+          </a:p>
+          <a:p>
+            <a:endParaRPr lang="en-US" dirty="0">
+              <a:latin typeface="Times New Roman" panose="02020603050405020304" pitchFamily="18" charset="0"/>
+              <a:cs typeface="Times New Roman" panose="02020603050405020304" pitchFamily="18" charset="0"/>
+            </a:endParaRPr>
+          </a:p>
+          <a:p>
+            <a:r>
+              <a:rPr lang="en-US" dirty="0">
+                <a:latin typeface="Times New Roman" panose="02020603050405020304" pitchFamily="18" charset="0"/>
+                <a:cs typeface="Times New Roman" panose="02020603050405020304" pitchFamily="18" charset="0"/>
+              </a:rPr>
+              <a:t>2. Overfitting : The model performs extremely well on training data (</a:t>
+            </a:r>
+            <a:r>
+              <a:rPr lang="en-US" dirty="0" err="1">
+                <a:latin typeface="Times New Roman" panose="02020603050405020304" pitchFamily="18" charset="0"/>
+                <a:cs typeface="Times New Roman" panose="02020603050405020304" pitchFamily="18" charset="0"/>
+              </a:rPr>
+              <a:t>IoU</a:t>
+            </a:r>
+            <a:r>
+              <a:rPr lang="en-US" dirty="0">
+                <a:latin typeface="Times New Roman" panose="02020603050405020304" pitchFamily="18" charset="0"/>
+                <a:cs typeface="Times New Roman" panose="02020603050405020304" pitchFamily="18" charset="0"/>
+              </a:rPr>
+              <a:t> 99.46%, accuracy 99.41%) but drops on validation/test sets (</a:t>
+            </a:r>
+            <a:r>
+              <a:rPr lang="en-US" dirty="0" err="1">
+                <a:latin typeface="Times New Roman" panose="02020603050405020304" pitchFamily="18" charset="0"/>
+                <a:cs typeface="Times New Roman" panose="02020603050405020304" pitchFamily="18" charset="0"/>
+              </a:rPr>
+              <a:t>IoU</a:t>
+            </a:r>
+            <a:r>
+              <a:rPr lang="en-US" dirty="0">
+                <a:latin typeface="Times New Roman" panose="02020603050405020304" pitchFamily="18" charset="0"/>
+                <a:cs typeface="Times New Roman" panose="02020603050405020304" pitchFamily="18" charset="0"/>
+              </a:rPr>
+              <a:t> ~71.5%, accuracy ~68.8%)</a:t>
+            </a:r>
+          </a:p>
+          <a:p>
+            <a:endParaRPr lang="en-US" dirty="0">
+              <a:latin typeface="Times New Roman" panose="02020603050405020304" pitchFamily="18" charset="0"/>
+              <a:cs typeface="Times New Roman" panose="02020603050405020304" pitchFamily="18" charset="0"/>
+            </a:endParaRPr>
+          </a:p>
+          <a:p>
+            <a:r>
+              <a:rPr lang="en-US" dirty="0">
+                <a:latin typeface="Times New Roman" panose="02020603050405020304" pitchFamily="18" charset="0"/>
+                <a:cs typeface="Times New Roman" panose="02020603050405020304" pitchFamily="18" charset="0"/>
+              </a:rPr>
+              <a:t>3. Lack of Data Diversity: Training is conducted solely on the </a:t>
+            </a:r>
+            <a:r>
+              <a:rPr lang="en-US" dirty="0" err="1">
+                <a:latin typeface="Times New Roman" panose="02020603050405020304" pitchFamily="18" charset="0"/>
+                <a:cs typeface="Times New Roman" panose="02020603050405020304" pitchFamily="18" charset="0"/>
+              </a:rPr>
+              <a:t>MediaEval</a:t>
+            </a:r>
+            <a:r>
+              <a:rPr lang="en-US" dirty="0">
+                <a:latin typeface="Times New Roman" panose="02020603050405020304" pitchFamily="18" charset="0"/>
+                <a:cs typeface="Times New Roman" panose="02020603050405020304" pitchFamily="18" charset="0"/>
+              </a:rPr>
+              <a:t> 2017 dataset, with limited representation of geographic regions, flood types (riverine, coastal, urban), or satellite sensor types.</a:t>
+            </a:r>
+          </a:p>
+          <a:p>
+            <a:endParaRPr lang="en-US" dirty="0">
+              <a:latin typeface="Times New Roman" panose="02020603050405020304" pitchFamily="18" charset="0"/>
+              <a:cs typeface="Times New Roman" panose="02020603050405020304" pitchFamily="18" charset="0"/>
+            </a:endParaRPr>
+          </a:p>
+          <a:p>
+            <a:r>
+              <a:rPr lang="en-US" dirty="0">
+                <a:latin typeface="Times New Roman" panose="02020603050405020304" pitchFamily="18" charset="0"/>
+                <a:cs typeface="Times New Roman" panose="02020603050405020304" pitchFamily="18" charset="0"/>
+              </a:rPr>
+              <a:t>4. Absence of Temporal (Time Series) Analysis: The current system analyzes only static, single-point-in-time images; floods are dynamic events that change rapidly.</a:t>
+            </a:r>
+          </a:p>
+          <a:p>
+            <a:endParaRPr lang="en-US" dirty="0">
+              <a:latin typeface="Times New Roman" panose="02020603050405020304" pitchFamily="18" charset="0"/>
+              <a:cs typeface="Times New Roman" panose="02020603050405020304" pitchFamily="18" charset="0"/>
+            </a:endParaRPr>
+          </a:p>
+        </p:txBody>
+      </p:sp>
+    </p:spTree>
+    <p:extLst>
+      <p:ext uri="{BB962C8B-B14F-4D97-AF65-F5344CB8AC3E}">
+        <p14:creationId xmlns:p14="http://schemas.microsoft.com/office/powerpoint/2010/main" val="1106166721"/>
+      </p:ext>
+    </p:extLst>
+  </p:cSld>
+  <p:clrMapOvr>
+    <a:masterClrMapping/>
+  </p:clrMapOvr>
+</p:sld>
+</file>
+
+<file path=ppt/slides/slide7.xml><?xml version="1.0" encoding="utf-8"?>
 <p:sld xmlns:a="http://schemas.openxmlformats.org/drawingml/2006/main" xmlns:r="http://schemas.openxmlformats.org/officeDocument/2006/relationships" xmlns:p="http://schemas.openxmlformats.org/presentationml/2006/main">
   <p:cSld>
     <p:spTree>
@@ -8671,7 +9119,7 @@
         <p:spPr>
           <a:xfrm>
             <a:off x="6650428" y="4960747"/>
-            <a:ext cx="1394613" cy="153888"/>
+            <a:ext cx="3007233" cy="153888"/>
           </a:xfrm>
           <a:prstGeom prst="rect">
             <a:avLst/>
@@ -8689,7 +9137,7 @@
           <a:p>
             <a:pPr algn="l"/>
             <a:r>
-              <a:rPr sz="1000">
+              <a:rPr sz="1000" dirty="0">
                 <a:solidFill>
                   <a:srgbClr val="484848"/>
                 </a:solidFill>
@@ -8697,6 +9145,16 @@
                 <a:cs typeface="Times New Roman" panose="02020603050405020304" pitchFamily="18" charset="0"/>
               </a:rPr>
               <a:t>Integrate External Datasets</a:t>
+            </a:r>
+            <a:r>
+              <a:rPr lang="en-US" sz="1000" dirty="0">
+                <a:solidFill>
+                  <a:srgbClr val="484848"/>
+                </a:solidFill>
+                <a:latin typeface="Times New Roman" panose="02020603050405020304" pitchFamily="18" charset="0"/>
+                <a:cs typeface="Times New Roman" panose="02020603050405020304" pitchFamily="18" charset="0"/>
+              </a:rPr>
+              <a:t> like Sentinel-1and 2, Landsat.</a:t>
             </a:r>
           </a:p>
         </p:txBody>
@@ -8983,7 +9441,7 @@
         <p:spPr>
           <a:xfrm>
             <a:off x="199070" y="329842"/>
-            <a:ext cx="8860263" cy="369332"/>
+            <a:ext cx="9986330" cy="430887"/>
           </a:xfrm>
           <a:prstGeom prst="rect">
             <a:avLst/>
@@ -9001,7 +9459,7 @@
           <a:p>
             <a:pPr algn="ctr"/>
             <a:r>
-              <a:rPr sz="2400" b="1" dirty="0">
+              <a:rPr sz="2800" b="1" dirty="0">
                 <a:solidFill>
                   <a:srgbClr val="484848"/>
                 </a:solidFill>
@@ -9011,7 +9469,7 @@
               <a:t>Enhancement Modules for Flood Detection Using Deep</a:t>
             </a:r>
             <a:r>
-              <a:rPr lang="en-US" sz="2400" b="1" dirty="0">
+              <a:rPr lang="en-US" sz="2800" b="1" dirty="0">
                 <a:solidFill>
                   <a:srgbClr val="484848"/>
                 </a:solidFill>
@@ -9021,7 +9479,7 @@
               <a:t> </a:t>
             </a:r>
             <a:r>
-              <a:rPr sz="2400" b="1" dirty="0">
+              <a:rPr sz="2800" b="1" dirty="0">
                 <a:solidFill>
                   <a:srgbClr val="484848"/>
                 </a:solidFill>
@@ -11689,7 +12147,7 @@
 </p:sld>
 </file>
 
-<file path=ppt/slides/slide7.xml><?xml version="1.0" encoding="utf-8"?>
+<file path=ppt/slides/slide8.xml><?xml version="1.0" encoding="utf-8"?>
 <p:sld xmlns:a="http://schemas.openxmlformats.org/drawingml/2006/main" xmlns:r="http://schemas.openxmlformats.org/officeDocument/2006/relationships" xmlns:p="http://schemas.openxmlformats.org/presentationml/2006/main">
   <p:cSld>
     <p:spTree>
@@ -11729,7 +12187,48 @@
           </a:xfrm>
         </p:spPr>
         <p:txBody>
-          <a:bodyPr/>
+          <a:bodyPr>
+            <a:normAutofit/>
+          </a:bodyPr>
+          <a:lstStyle/>
+          <a:p>
+            <a:r>
+              <a:rPr lang="en-US" sz="3000" dirty="0">
+                <a:latin typeface="Times New Roman" panose="02020603050405020304" pitchFamily="18" charset="0"/>
+                <a:cs typeface="Times New Roman" panose="02020603050405020304" pitchFamily="18" charset="0"/>
+              </a:rPr>
+              <a:t>References</a:t>
+            </a:r>
+            <a:endParaRPr lang="en-US" sz="3000" dirty="0"/>
+          </a:p>
+        </p:txBody>
+      </p:sp>
+      <p:sp>
+        <p:nvSpPr>
+          <p:cNvPr id="2" name="TextBox 1">
+            <a:extLst>
+              <a:ext uri="{FF2B5EF4-FFF2-40B4-BE49-F238E27FC236}">
+                <a16:creationId xmlns:a16="http://schemas.microsoft.com/office/drawing/2014/main" id="{B8560E7D-B1B3-95B1-D36B-D27987B1263D}"/>
+              </a:ext>
+            </a:extLst>
+          </p:cNvPr>
+          <p:cNvSpPr txBox="1"/>
+          <p:nvPr/>
+        </p:nvSpPr>
+        <p:spPr>
+          <a:xfrm>
+            <a:off x="999067" y="1608666"/>
+            <a:ext cx="10176933" cy="2862322"/>
+          </a:xfrm>
+          <a:prstGeom prst="rect">
+            <a:avLst/>
+          </a:prstGeom>
+          <a:noFill/>
+        </p:spPr>
+        <p:txBody>
+          <a:bodyPr wrap="square" rtlCol="0">
+            <a:spAutoFit/>
+          </a:bodyPr>
           <a:lstStyle/>
           <a:p>
             <a:r>
@@ -11737,12 +12236,130 @@
                 <a:latin typeface="Times New Roman" panose="02020603050405020304" pitchFamily="18" charset="0"/>
                 <a:cs typeface="Times New Roman" panose="02020603050405020304" pitchFamily="18" charset="0"/>
               </a:rPr>
-              <a:t>References</a:t>
+              <a:t>Base Paper:</a:t>
             </a:r>
             <a:br>
-              <a:rPr lang="en-US" dirty="0"/>
+              <a:rPr lang="en-US" dirty="0">
+                <a:latin typeface="Times New Roman" panose="02020603050405020304" pitchFamily="18" charset="0"/>
+                <a:cs typeface="Times New Roman" panose="02020603050405020304" pitchFamily="18" charset="0"/>
+              </a:rPr>
             </a:br>
-            <a:endParaRPr lang="en-US" dirty="0"/>
+            <a:r>
+              <a:rPr lang="en-US" dirty="0">
+                <a:latin typeface="Times New Roman" panose="02020603050405020304" pitchFamily="18" charset="0"/>
+                <a:cs typeface="Times New Roman" panose="02020603050405020304" pitchFamily="18" charset="0"/>
+              </a:rPr>
+              <a:t>M. Divya Sumithra, K. Akhila, P. </a:t>
+            </a:r>
+            <a:r>
+              <a:rPr lang="en-US" dirty="0" err="1">
+                <a:latin typeface="Times New Roman" panose="02020603050405020304" pitchFamily="18" charset="0"/>
+                <a:cs typeface="Times New Roman" panose="02020603050405020304" pitchFamily="18" charset="0"/>
+              </a:rPr>
+              <a:t>Adikesava</a:t>
+            </a:r>
+            <a:r>
+              <a:rPr lang="en-US" dirty="0">
+                <a:latin typeface="Times New Roman" panose="02020603050405020304" pitchFamily="18" charset="0"/>
+                <a:cs typeface="Times New Roman" panose="02020603050405020304" pitchFamily="18" charset="0"/>
+              </a:rPr>
+              <a:t> Reddy, N. Swarupa, O. Karthik. “Flood Detection from Satellite Images Using </a:t>
+            </a:r>
+            <a:r>
+              <a:rPr lang="en-US" dirty="0" err="1">
+                <a:latin typeface="Times New Roman" panose="02020603050405020304" pitchFamily="18" charset="0"/>
+                <a:cs typeface="Times New Roman" panose="02020603050405020304" pitchFamily="18" charset="0"/>
+              </a:rPr>
+              <a:t>UNet</a:t>
+            </a:r>
+            <a:r>
+              <a:rPr lang="en-US" dirty="0">
+                <a:latin typeface="Times New Roman" panose="02020603050405020304" pitchFamily="18" charset="0"/>
+                <a:cs typeface="Times New Roman" panose="02020603050405020304" pitchFamily="18" charset="0"/>
+              </a:rPr>
+              <a:t> Architecture.” International Research Journal of Modernization in Engineering Technology and Science, Volume 07, Issue 03, March 2025, e-ISSN: 2582-5208.</a:t>
+            </a:r>
+          </a:p>
+          <a:p>
+            <a:endParaRPr lang="en-US" dirty="0">
+              <a:latin typeface="Times New Roman" panose="02020603050405020304" pitchFamily="18" charset="0"/>
+              <a:cs typeface="Times New Roman" panose="02020603050405020304" pitchFamily="18" charset="0"/>
+            </a:endParaRPr>
+          </a:p>
+          <a:p>
+            <a:r>
+              <a:rPr lang="en-US" dirty="0">
+                <a:latin typeface="Times New Roman" panose="02020603050405020304" pitchFamily="18" charset="0"/>
+                <a:cs typeface="Times New Roman" panose="02020603050405020304" pitchFamily="18" charset="0"/>
+              </a:rPr>
+              <a:t>Dataset Reference:</a:t>
+            </a:r>
+            <a:br>
+              <a:rPr lang="en-US" dirty="0">
+                <a:latin typeface="Times New Roman" panose="02020603050405020304" pitchFamily="18" charset="0"/>
+                <a:cs typeface="Times New Roman" panose="02020603050405020304" pitchFamily="18" charset="0"/>
+              </a:rPr>
+            </a:br>
+            <a:r>
+              <a:rPr lang="en-US" dirty="0" err="1">
+                <a:latin typeface="Times New Roman" panose="02020603050405020304" pitchFamily="18" charset="0"/>
+                <a:cs typeface="Times New Roman" panose="02020603050405020304" pitchFamily="18" charset="0"/>
+              </a:rPr>
+              <a:t>MediaEval</a:t>
+            </a:r>
+            <a:r>
+              <a:rPr lang="en-US" dirty="0">
+                <a:latin typeface="Times New Roman" panose="02020603050405020304" pitchFamily="18" charset="0"/>
+                <a:cs typeface="Times New Roman" panose="02020603050405020304" pitchFamily="18" charset="0"/>
+              </a:rPr>
+              <a:t> 2017 Multimedia Satellite Task: Flood Detection in Satellite Imagery.</a:t>
+            </a:r>
+            <a:br>
+              <a:rPr lang="en-US" dirty="0">
+                <a:latin typeface="Times New Roman" panose="02020603050405020304" pitchFamily="18" charset="0"/>
+                <a:cs typeface="Times New Roman" panose="02020603050405020304" pitchFamily="18" charset="0"/>
+              </a:rPr>
+            </a:br>
+            <a:r>
+              <a:rPr lang="en-US" dirty="0">
+                <a:latin typeface="Times New Roman" panose="02020603050405020304" pitchFamily="18" charset="0"/>
+                <a:cs typeface="Times New Roman" panose="02020603050405020304" pitchFamily="18" charset="0"/>
+              </a:rPr>
+              <a:t>Task organizers: M. Larson et al.</a:t>
+            </a:r>
+            <a:br>
+              <a:rPr lang="en-US" dirty="0">
+                <a:latin typeface="Times New Roman" panose="02020603050405020304" pitchFamily="18" charset="0"/>
+                <a:cs typeface="Times New Roman" panose="02020603050405020304" pitchFamily="18" charset="0"/>
+              </a:rPr>
+            </a:br>
+            <a:r>
+              <a:rPr lang="en-US" dirty="0">
+                <a:latin typeface="Times New Roman" panose="02020603050405020304" pitchFamily="18" charset="0"/>
+                <a:cs typeface="Times New Roman" panose="02020603050405020304" pitchFamily="18" charset="0"/>
+              </a:rPr>
+              <a:t>[</a:t>
+            </a:r>
+            <a:r>
+              <a:rPr lang="en-US" dirty="0" err="1">
+                <a:latin typeface="Times New Roman" panose="02020603050405020304" pitchFamily="18" charset="0"/>
+                <a:cs typeface="Times New Roman" panose="02020603050405020304" pitchFamily="18" charset="0"/>
+              </a:rPr>
+              <a:t>MediaEval</a:t>
+            </a:r>
+            <a:r>
+              <a:rPr lang="en-US" dirty="0">
+                <a:latin typeface="Times New Roman" panose="02020603050405020304" pitchFamily="18" charset="0"/>
+                <a:cs typeface="Times New Roman" panose="02020603050405020304" pitchFamily="18" charset="0"/>
+              </a:rPr>
+              <a:t> 2017 Satellite Task Challenge Documentation]</a:t>
+            </a:r>
+          </a:p>
+          <a:p>
+            <a:endParaRPr lang="en-US" dirty="0">
+              <a:latin typeface="Times New Roman" panose="02020603050405020304" pitchFamily="18" charset="0"/>
+              <a:cs typeface="Times New Roman" panose="02020603050405020304" pitchFamily="18" charset="0"/>
+            </a:endParaRPr>
           </a:p>
         </p:txBody>
       </p:sp>
